--- a/PLPTH813Bioinformatis/2019/labs/in-class.project_DE.pptx
+++ b/PLPTH813Bioinformatis/2019/labs/in-class.project_DE.pptx
@@ -4474,8 +4474,19 @@
                 <a:latin typeface="Courier"/>
                 <a:cs typeface="Courier"/>
               </a:rPr>
-              <a:t>--threads 4 \ </a:t>
-            </a:r>
+              <a:t>--threads 4 </a:t>
+            </a:r>
+            <a:r>
+              <a:rPr lang="en-US" sz="1200" dirty="0" smtClean="0">
+                <a:latin typeface="Courier"/>
+                <a:cs typeface="Courier"/>
+              </a:rPr>
+              <a:t>\</a:t>
+            </a:r>
+            <a:endParaRPr lang="en-US" sz="1200" dirty="0">
+              <a:latin typeface="Courier"/>
+              <a:cs typeface="Courier"/>
+            </a:endParaRPr>
           </a:p>
           <a:p>
             <a:pPr marL="0" indent="0">
@@ -4557,6 +4568,13 @@
   <p:clrMapOvr>
     <a:masterClrMapping/>
   </p:clrMapOvr>
+  <p:timing>
+    <p:tnLst>
+      <p:par>
+        <p:cTn xmlns:p14="http://schemas.microsoft.com/office/powerpoint/2010/main" id="1" dur="indefinite" restart="never" nodeType="tmRoot"/>
+      </p:par>
+    </p:tnLst>
+  </p:timing>
 </p:sld>
 </file>
 
@@ -5111,6 +5129,13 @@
   <p:clrMapOvr>
     <a:masterClrMapping/>
   </p:clrMapOvr>
+  <p:timing>
+    <p:tnLst>
+      <p:par>
+        <p:cTn xmlns:p14="http://schemas.microsoft.com/office/powerpoint/2010/main" id="1" dur="indefinite" restart="never" nodeType="tmRoot"/>
+      </p:par>
+    </p:tnLst>
+  </p:timing>
 </p:sld>
 </file>
 
@@ -7047,6 +7072,13 @@
   <p:clrMapOvr>
     <a:masterClrMapping/>
   </p:clrMapOvr>
+  <p:timing>
+    <p:tnLst>
+      <p:par>
+        <p:cTn xmlns:p14="http://schemas.microsoft.com/office/powerpoint/2010/main" id="1" dur="indefinite" restart="never" nodeType="tmRoot"/>
+      </p:par>
+    </p:tnLst>
+  </p:timing>
 </p:sld>
 </file>
 
@@ -7558,6 +7590,13 @@
   <p:clrMapOvr>
     <a:masterClrMapping/>
   </p:clrMapOvr>
+  <p:timing>
+    <p:tnLst>
+      <p:par>
+        <p:cTn xmlns:p14="http://schemas.microsoft.com/office/powerpoint/2010/main" id="1" dur="indefinite" restart="never" nodeType="tmRoot"/>
+      </p:par>
+    </p:tnLst>
+  </p:timing>
 </p:sld>
 </file>
 
@@ -7709,8 +7748,19 @@
                 <a:latin typeface="Courier"/>
                 <a:cs typeface="Courier"/>
               </a:rPr>
-              <a:t> ../0-ref \</a:t>
-            </a:r>
+              <a:t> </a:t>
+            </a:r>
+            <a:r>
+              <a:rPr lang="en-US" sz="1600" dirty="0">
+                <a:latin typeface="Courier"/>
+                <a:cs typeface="Courier"/>
+              </a:rPr>
+              <a:t>/homes/liu3zhen/teaching/datasets/DE/0-ref \</a:t>
+            </a:r>
+            <a:endParaRPr lang="en-US" sz="1600" dirty="0">
+              <a:latin typeface="Courier"/>
+              <a:cs typeface="Courier"/>
+            </a:endParaRPr>
           </a:p>
           <a:p>
             <a:pPr marL="0" indent="0">
@@ -8263,6 +8313,13 @@
   <p:clrMapOvr>
     <a:masterClrMapping/>
   </p:clrMapOvr>
+  <p:timing>
+    <p:tnLst>
+      <p:par>
+        <p:cTn xmlns:p14="http://schemas.microsoft.com/office/powerpoint/2010/main" id="1" dur="indefinite" restart="never" nodeType="tmRoot"/>
+      </p:par>
+    </p:tnLst>
+  </p:timing>
 </p:sld>
 </file>
 
@@ -8342,7 +8399,7 @@
         <p:spPr>
           <a:xfrm>
             <a:off x="1172633" y="1049866"/>
-            <a:ext cx="6739467" cy="5526617"/>
+            <a:ext cx="7514167" cy="5526617"/>
           </a:xfrm>
         </p:spPr>
         <p:txBody>
@@ -8373,7 +8430,35 @@
                 <a:latin typeface="Courier"/>
                 <a:cs typeface="Courier"/>
               </a:rPr>
-              <a:t>/homes/liu3zhen/local/pipelines/STAR/</a:t>
+              <a:t>/homes/liu3zhen/local</a:t>
+            </a:r>
+            <a:r>
+              <a:rPr lang="en-US" sz="1400" dirty="0" smtClean="0">
+                <a:latin typeface="Courier"/>
+                <a:cs typeface="Courier"/>
+              </a:rPr>
+              <a:t>/</a:t>
+            </a:r>
+            <a:r>
+              <a:rPr lang="en-US" sz="1400" dirty="0" err="1" smtClean="0">
+                <a:latin typeface="Courier"/>
+                <a:cs typeface="Courier"/>
+              </a:rPr>
+              <a:t>slurm</a:t>
+            </a:r>
+            <a:r>
+              <a:rPr lang="en-US" sz="1400" dirty="0" smtClean="0">
+                <a:latin typeface="Courier"/>
+                <a:cs typeface="Courier"/>
+              </a:rPr>
+              <a:t>/</a:t>
+            </a:r>
+            <a:r>
+              <a:rPr lang="en-US" sz="1400" dirty="0">
+                <a:latin typeface="Courier"/>
+                <a:cs typeface="Courier"/>
+              </a:rPr>
+              <a:t>STAR/</a:t>
             </a:r>
             <a:r>
               <a:rPr lang="en-US" sz="1400" dirty="0" err="1" smtClean="0">
@@ -8402,33 +8487,42 @@
               <a:buNone/>
             </a:pPr>
             <a:r>
-              <a:rPr lang="en-US" sz="1400" dirty="0" smtClean="0">
-                <a:latin typeface="Courier"/>
-                <a:cs typeface="Courier"/>
-              </a:rPr>
-              <a:t>-</a:t>
-            </a:r>
-            <a:r>
-              <a:rPr lang="en-US" sz="1400" dirty="0">
-                <a:latin typeface="Courier"/>
-                <a:cs typeface="Courier"/>
-              </a:rPr>
-              <a:t>-</a:t>
-            </a:r>
-            <a:r>
-              <a:rPr lang="en-US" sz="1400" dirty="0" err="1">
-                <a:latin typeface="Courier"/>
-                <a:cs typeface="Courier"/>
-              </a:rPr>
-              <a:t>mem</a:t>
-            </a:r>
-            <a:r>
-              <a:rPr lang="en-US" sz="1400" dirty="0">
-                <a:latin typeface="Courier"/>
-                <a:cs typeface="Courier"/>
-              </a:rPr>
-              <a:t> 48 --threads 1 --time 12:00:00 \</a:t>
-            </a:r>
+              <a:rPr lang="en-US" sz="1400" b="1" dirty="0" smtClean="0">
+                <a:solidFill>
+                  <a:srgbClr val="FF0000"/>
+                </a:solidFill>
+                <a:latin typeface="Courier"/>
+                <a:cs typeface="Courier"/>
+              </a:rPr>
+              <a:t>--java "</a:t>
+            </a:r>
+            <a:r>
+              <a:rPr lang="en-US" sz="1400" b="1" dirty="0">
+                <a:solidFill>
+                  <a:srgbClr val="FF0000"/>
+                </a:solidFill>
+                <a:latin typeface="Courier"/>
+                <a:cs typeface="Courier"/>
+              </a:rPr>
+              <a:t>Java/</a:t>
+            </a:r>
+            <a:r>
+              <a:rPr lang="en-US" sz="1400" b="1" dirty="0" smtClean="0">
+                <a:solidFill>
+                  <a:srgbClr val="FF0000"/>
+                </a:solidFill>
+                <a:latin typeface="Courier"/>
+                <a:cs typeface="Courier"/>
+              </a:rPr>
+              <a:t>1.8.0_192" \</a:t>
+            </a:r>
+            <a:endParaRPr lang="en-US" sz="1400" b="1" dirty="0" smtClean="0">
+              <a:solidFill>
+                <a:srgbClr val="FF0000"/>
+              </a:solidFill>
+              <a:latin typeface="Courier"/>
+              <a:cs typeface="Courier"/>
+            </a:endParaRPr>
           </a:p>
           <a:p>
             <a:pPr marL="0" indent="0">
@@ -8453,14 +8547,14 @@
                 <a:latin typeface="Courier"/>
                 <a:cs typeface="Courier"/>
               </a:rPr>
-              <a:t>star_cmd</a:t>
+              <a:t>mem</a:t>
             </a:r>
             <a:r>
               <a:rPr lang="en-US" sz="1400" dirty="0">
                 <a:latin typeface="Courier"/>
                 <a:cs typeface="Courier"/>
               </a:rPr>
-              <a:t> /homes/liu3zhen/local/bin/STAR \</a:t>
+              <a:t> 48 --threads 1 --time 12:00:00 \</a:t>
             </a:r>
           </a:p>
           <a:p>
@@ -8486,14 +8580,14 @@
                 <a:latin typeface="Courier"/>
                 <a:cs typeface="Courier"/>
               </a:rPr>
-              <a:t>indir</a:t>
+              <a:t>star_cmd</a:t>
             </a:r>
             <a:r>
               <a:rPr lang="en-US" sz="1400" dirty="0">
                 <a:latin typeface="Courier"/>
                 <a:cs typeface="Courier"/>
               </a:rPr>
-              <a:t> ../2-trim \</a:t>
+              <a:t> /homes/liu3zhen/local/bin/STAR \</a:t>
             </a:r>
           </a:p>
           <a:p>
@@ -8519,6 +8613,39 @@
                 <a:latin typeface="Courier"/>
                 <a:cs typeface="Courier"/>
               </a:rPr>
+              <a:t>indir</a:t>
+            </a:r>
+            <a:r>
+              <a:rPr lang="en-US" sz="1400" dirty="0">
+                <a:latin typeface="Courier"/>
+                <a:cs typeface="Courier"/>
+              </a:rPr>
+              <a:t> ../2-trim \</a:t>
+            </a:r>
+          </a:p>
+          <a:p>
+            <a:pPr marL="0" indent="0">
+              <a:buNone/>
+            </a:pPr>
+            <a:r>
+              <a:rPr lang="en-US" sz="1400" dirty="0" smtClean="0">
+                <a:latin typeface="Courier"/>
+                <a:cs typeface="Courier"/>
+              </a:rPr>
+              <a:t>-</a:t>
+            </a:r>
+            <a:r>
+              <a:rPr lang="en-US" sz="1400" dirty="0">
+                <a:latin typeface="Courier"/>
+                <a:cs typeface="Courier"/>
+              </a:rPr>
+              <a:t>-</a:t>
+            </a:r>
+            <a:r>
+              <a:rPr lang="en-US" sz="1400" dirty="0" err="1">
+                <a:latin typeface="Courier"/>
+                <a:cs typeface="Courier"/>
+              </a:rPr>
               <a:t>dbdir</a:t>
             </a:r>
             <a:r>
@@ -8529,18 +8656,44 @@
               <a:t> </a:t>
             </a:r>
             <a:r>
-              <a:rPr lang="en-US" sz="1400" dirty="0">
-                <a:latin typeface="Courier"/>
-                <a:cs typeface="Courier"/>
-              </a:rPr>
-              <a:t>../0-</a:t>
-            </a:r>
-            <a:r>
-              <a:rPr lang="en-US" sz="1400" dirty="0" smtClean="0">
-                <a:latin typeface="Courier"/>
-                <a:cs typeface="Courier"/>
-              </a:rPr>
-              <a:t>ref </a:t>
+              <a:rPr lang="en-US" sz="1400" b="1" dirty="0">
+                <a:solidFill>
+                  <a:srgbClr val="FF0000"/>
+                </a:solidFill>
+                <a:latin typeface="Courier"/>
+                <a:cs typeface="Courier"/>
+              </a:rPr>
+              <a:t>/homes/liu3zhen/teaching/datasets/</a:t>
+            </a:r>
+            <a:r>
+              <a:rPr lang="en-US" sz="1400" b="1" dirty="0" smtClean="0">
+                <a:solidFill>
+                  <a:srgbClr val="FF0000"/>
+                </a:solidFill>
+                <a:latin typeface="Courier"/>
+                <a:cs typeface="Courier"/>
+              </a:rPr>
+              <a:t>DE/</a:t>
+            </a:r>
+            <a:r>
+              <a:rPr lang="en-US" sz="1400" b="1" dirty="0">
+                <a:solidFill>
+                  <a:srgbClr val="FF0000"/>
+                </a:solidFill>
+                <a:latin typeface="Courier"/>
+                <a:cs typeface="Courier"/>
+              </a:rPr>
+              <a:t>0-</a:t>
+            </a:r>
+            <a:r>
+              <a:rPr lang="en-US" sz="1400" b="1" dirty="0" smtClean="0">
+                <a:solidFill>
+                  <a:srgbClr val="FF0000"/>
+                </a:solidFill>
+                <a:latin typeface="Courier"/>
+                <a:cs typeface="Courier"/>
+              </a:rPr>
+              <a:t>ref2 </a:t>
             </a:r>
             <a:r>
               <a:rPr lang="en-US" sz="1400" dirty="0" smtClean="0">
@@ -9155,6 +9308,13 @@
   <p:clrMapOvr>
     <a:masterClrMapping/>
   </p:clrMapOvr>
+  <p:timing>
+    <p:tnLst>
+      <p:par>
+        <p:cTn xmlns:p14="http://schemas.microsoft.com/office/powerpoint/2010/main" id="1" dur="indefinite" restart="never" nodeType="tmRoot"/>
+      </p:par>
+    </p:tnLst>
+  </p:timing>
 </p:sld>
 </file>
 
@@ -9284,6 +9444,13 @@
   <p:clrMapOvr>
     <a:masterClrMapping/>
   </p:clrMapOvr>
+  <p:timing>
+    <p:tnLst>
+      <p:par>
+        <p:cTn xmlns:p14="http://schemas.microsoft.com/office/powerpoint/2010/main" id="1" dur="indefinite" restart="never" nodeType="tmRoot"/>
+      </p:par>
+    </p:tnLst>
+  </p:timing>
 </p:sld>
 </file>
 
@@ -9374,6 +9541,13 @@
   <p:clrMapOvr>
     <a:masterClrMapping/>
   </p:clrMapOvr>
+  <p:timing>
+    <p:tnLst>
+      <p:par>
+        <p:cTn xmlns:p14="http://schemas.microsoft.com/office/powerpoint/2010/main" id="1" dur="indefinite" restart="never" nodeType="tmRoot"/>
+      </p:par>
+    </p:tnLst>
+  </p:timing>
 </p:sld>
 </file>
 
@@ -13532,6 +13706,13 @@
   <p:clrMapOvr>
     <a:masterClrMapping/>
   </p:clrMapOvr>
+  <p:timing>
+    <p:tnLst>
+      <p:par>
+        <p:cTn xmlns:p14="http://schemas.microsoft.com/office/powerpoint/2010/main" id="1" dur="indefinite" restart="never" nodeType="tmRoot"/>
+      </p:par>
+    </p:tnLst>
+  </p:timing>
 </p:sld>
 </file>
 
@@ -19539,7 +19720,7 @@
                     <a:p>
                       <a:pPr algn="ctr" fontAlgn="b"/>
                       <a:r>
-                        <a:rPr lang="en-US" sz="1800" b="0" i="0" u="none" strike="noStrike">
+                        <a:rPr lang="en-US" sz="1800" b="0" i="0" u="none" strike="noStrike" dirty="0">
                           <a:solidFill>
                             <a:srgbClr val="000000"/>
                           </a:solidFill>
@@ -19826,7 +20007,7 @@
                     <a:p>
                       <a:pPr algn="ctr" fontAlgn="b"/>
                       <a:r>
-                        <a:rPr lang="en-US" sz="1800" b="0" i="0" u="none" strike="noStrike">
+                        <a:rPr lang="en-US" sz="1800" b="0" i="0" u="none" strike="noStrike" dirty="0">
                           <a:solidFill>
                             <a:srgbClr val="000000"/>
                           </a:solidFill>
@@ -19883,7 +20064,7 @@
                     <a:p>
                       <a:pPr algn="ctr" fontAlgn="b"/>
                       <a:r>
-                        <a:rPr lang="en-US" sz="1800" b="0" i="0" u="none" strike="noStrike">
+                        <a:rPr lang="en-US" sz="1800" b="0" i="0" u="none" strike="noStrike" dirty="0">
                           <a:solidFill>
                             <a:srgbClr val="000000"/>
                           </a:solidFill>
@@ -20514,7 +20695,7 @@
                     <a:p>
                       <a:pPr algn="ctr" fontAlgn="b"/>
                       <a:r>
-                        <a:rPr lang="en-US" sz="1800" b="0" i="0" u="none" strike="noStrike">
+                        <a:rPr lang="en-US" sz="1800" b="0" i="0" u="none" strike="noStrike" dirty="0">
                           <a:solidFill>
                             <a:srgbClr val="000000"/>
                           </a:solidFill>
@@ -20801,7 +20982,7 @@
                     <a:p>
                       <a:pPr algn="ctr" fontAlgn="b"/>
                       <a:r>
-                        <a:rPr lang="en-US" sz="1800" b="0" i="0" u="none" strike="noStrike">
+                        <a:rPr lang="en-US" sz="1800" b="0" i="0" u="none" strike="noStrike" dirty="0">
                           <a:solidFill>
                             <a:srgbClr val="000000"/>
                           </a:solidFill>
@@ -21088,7 +21269,7 @@
                     <a:p>
                       <a:pPr algn="ctr" fontAlgn="b"/>
                       <a:r>
-                        <a:rPr lang="en-US" sz="1800" b="0" i="0" u="none" strike="noStrike">
+                        <a:rPr lang="en-US" sz="1800" b="0" i="0" u="none" strike="noStrike" dirty="0">
                           <a:solidFill>
                             <a:srgbClr val="000000"/>
                           </a:solidFill>
@@ -21375,7 +21556,7 @@
                     <a:p>
                       <a:pPr algn="ctr" fontAlgn="b"/>
                       <a:r>
-                        <a:rPr lang="en-US" sz="1800" b="0" i="0" u="none" strike="noStrike">
+                        <a:rPr lang="en-US" sz="1800" b="0" i="0" u="none" strike="noStrike" dirty="0">
                           <a:solidFill>
                             <a:srgbClr val="000000"/>
                           </a:solidFill>
@@ -21662,7 +21843,7 @@
                     <a:p>
                       <a:pPr algn="ctr" fontAlgn="b"/>
                       <a:r>
-                        <a:rPr lang="en-US" sz="1800" b="0" i="0" u="none" strike="noStrike">
+                        <a:rPr lang="en-US" sz="1800" b="0" i="0" u="none" strike="noStrike" dirty="0">
                           <a:solidFill>
                             <a:srgbClr val="000000"/>
                           </a:solidFill>
@@ -21719,7 +21900,7 @@
                     <a:p>
                       <a:pPr algn="ctr" fontAlgn="b"/>
                       <a:r>
-                        <a:rPr lang="en-US" sz="1800" b="0" i="0" u="none" strike="noStrike">
+                        <a:rPr lang="en-US" sz="1800" b="0" i="0" u="none" strike="noStrike" dirty="0">
                           <a:solidFill>
                             <a:srgbClr val="000000"/>
                           </a:solidFill>
@@ -22006,7 +22187,7 @@
                     <a:p>
                       <a:pPr algn="ctr" fontAlgn="b"/>
                       <a:r>
-                        <a:rPr lang="en-US" sz="1800" b="0" i="0" u="none" strike="noStrike">
+                        <a:rPr lang="en-US" sz="1800" b="0" i="0" u="none" strike="noStrike" dirty="0">
                           <a:solidFill>
                             <a:srgbClr val="000000"/>
                           </a:solidFill>
@@ -22157,6 +22338,13 @@
   <p:clrMapOvr>
     <a:masterClrMapping/>
   </p:clrMapOvr>
+  <p:timing>
+    <p:tnLst>
+      <p:par>
+        <p:cTn xmlns:p14="http://schemas.microsoft.com/office/powerpoint/2010/main" id="1" dur="indefinite" restart="never" nodeType="tmRoot"/>
+      </p:par>
+    </p:tnLst>
+  </p:timing>
 </p:sld>
 </file>
 
@@ -26139,10 +26327,13 @@
               </a:rPr>
               <a:t>dataset.txt</a:t>
             </a:r>
-            <a:endParaRPr lang="en-US" sz="1600" dirty="0" smtClean="0">
-              <a:latin typeface="Courier"/>
-              <a:cs typeface="Courier"/>
-            </a:endParaRPr>
+            <a:r>
+              <a:rPr lang="en-US" sz="1600" dirty="0" smtClean="0">
+                <a:latin typeface="Courier"/>
+                <a:cs typeface="Courier"/>
+              </a:rPr>
+              <a:t> \</a:t>
+            </a:r>
           </a:p>
           <a:p>
             <a:r>
@@ -26178,12 +26369,15 @@
                 <a:latin typeface="Courier"/>
                 <a:cs typeface="Courier"/>
               </a:rPr>
-              <a:t> 2 </a:t>
-            </a:r>
-            <a:endParaRPr lang="en-US" sz="1600" dirty="0" smtClean="0">
-              <a:latin typeface="Courier"/>
-              <a:cs typeface="Courier"/>
-            </a:endParaRPr>
+              <a:t> </a:t>
+            </a:r>
+            <a:r>
+              <a:rPr lang="en-US" sz="1600" dirty="0" smtClean="0">
+                <a:latin typeface="Courier"/>
+                <a:cs typeface="Courier"/>
+              </a:rPr>
+              <a:t>2</a:t>
+            </a:r>
           </a:p>
           <a:p>
             <a:endParaRPr lang="en-US" sz="1600" dirty="0">
